--- a/창업캡스톤디자인_중고거래사기방지/창업캡스톤디자인_중고거래사기방지.pptx
+++ b/창업캡스톤디자인_중고거래사기방지/창업캡스톤디자인_중고거래사기방지.pptx
@@ -206,7 +206,6 @@
           </a:p>
         </c:rich>
       </c:tx>
-      <c:layout/>
       <c:overlay val="0"/>
       <c:spPr>
         <a:noFill/>
@@ -452,9 +451,7 @@
               </c:spPr>
             </c:leaderLines>
             <c:extLst>
-              <c:ext xmlns:c15="http://schemas.microsoft.com/office/drawing/2012/chart" uri="{CE6537A1-D6FC-4f65-9D91-7224C49458BB}">
-                <c15:layout/>
-              </c:ext>
+              <c:ext xmlns:c15="http://schemas.microsoft.com/office/drawing/2012/chart" uri="{CE6537A1-D6FC-4f65-9D91-7224C49458BB}"/>
             </c:extLst>
           </c:dLbls>
           <c:cat>
@@ -548,7 +545,6 @@
           </a:p>
         </c:txPr>
       </c:legendEntry>
-      <c:layout/>
       <c:overlay val="0"/>
       <c:spPr>
         <a:solidFill>
@@ -663,7 +659,6 @@
           </a:p>
         </c:rich>
       </c:tx>
-      <c:layout/>
       <c:overlay val="0"/>
       <c:spPr>
         <a:noFill/>
@@ -851,9 +846,7 @@
               </c:spPr>
             </c:leaderLines>
             <c:extLst>
-              <c:ext xmlns:c15="http://schemas.microsoft.com/office/drawing/2012/chart" uri="{CE6537A1-D6FC-4f65-9D91-7224C49458BB}">
-                <c15:layout/>
-              </c:ext>
+              <c:ext xmlns:c15="http://schemas.microsoft.com/office/drawing/2012/chart" uri="{CE6537A1-D6FC-4f65-9D91-7224C49458BB}"/>
             </c:extLst>
           </c:dLbls>
           <c:cat>
@@ -912,7 +905,6 @@
     </c:plotArea>
     <c:legend>
       <c:legendPos val="b"/>
-      <c:layout/>
       <c:overlay val="0"/>
       <c:spPr>
         <a:solidFill>
@@ -1027,7 +1019,6 @@
           </a:p>
         </c:rich>
       </c:tx>
-      <c:layout/>
       <c:overlay val="0"/>
       <c:spPr>
         <a:noFill/>
@@ -1368,9 +1359,7 @@
               </c:spPr>
             </c:leaderLines>
             <c:extLst>
-              <c:ext xmlns:c15="http://schemas.microsoft.com/office/drawing/2012/chart" uri="{CE6537A1-D6FC-4f65-9D91-7224C49458BB}">
-                <c15:layout/>
-              </c:ext>
+              <c:ext xmlns:c15="http://schemas.microsoft.com/office/drawing/2012/chart" uri="{CE6537A1-D6FC-4f65-9D91-7224C49458BB}"/>
             </c:extLst>
           </c:dLbls>
           <c:cat>
@@ -1488,7 +1477,6 @@
           </a:p>
         </c:txPr>
       </c:legendEntry>
-      <c:layout/>
       <c:overlay val="0"/>
       <c:spPr>
         <a:solidFill>
@@ -4405,7 +4393,7 @@
           <a:p>
             <a:fld id="{50F83380-8CC7-47B6-B932-212D159B0DC8}" type="datetimeFigureOut">
               <a:rPr lang="ko-KR" altLang="en-US" smtClean="0"/>
-              <a:t>2023-05-16</a:t>
+              <a:t>2023-05-28</a:t>
             </a:fld>
             <a:endParaRPr lang="ko-KR" altLang="en-US"/>
           </a:p>
@@ -4603,7 +4591,7 @@
           <a:p>
             <a:fld id="{50F83380-8CC7-47B6-B932-212D159B0DC8}" type="datetimeFigureOut">
               <a:rPr lang="ko-KR" altLang="en-US" smtClean="0"/>
-              <a:t>2023-05-16</a:t>
+              <a:t>2023-05-28</a:t>
             </a:fld>
             <a:endParaRPr lang="ko-KR" altLang="en-US"/>
           </a:p>
@@ -4811,7 +4799,7 @@
           <a:p>
             <a:fld id="{50F83380-8CC7-47B6-B932-212D159B0DC8}" type="datetimeFigureOut">
               <a:rPr lang="ko-KR" altLang="en-US" smtClean="0"/>
-              <a:t>2023-05-16</a:t>
+              <a:t>2023-05-28</a:t>
             </a:fld>
             <a:endParaRPr lang="ko-KR" altLang="en-US"/>
           </a:p>
@@ -5009,7 +4997,7 @@
           <a:p>
             <a:fld id="{50F83380-8CC7-47B6-B932-212D159B0DC8}" type="datetimeFigureOut">
               <a:rPr lang="ko-KR" altLang="en-US" smtClean="0"/>
-              <a:t>2023-05-16</a:t>
+              <a:t>2023-05-28</a:t>
             </a:fld>
             <a:endParaRPr lang="ko-KR" altLang="en-US"/>
           </a:p>
@@ -5284,7 +5272,7 @@
           <a:p>
             <a:fld id="{50F83380-8CC7-47B6-B932-212D159B0DC8}" type="datetimeFigureOut">
               <a:rPr lang="ko-KR" altLang="en-US" smtClean="0"/>
-              <a:t>2023-05-16</a:t>
+              <a:t>2023-05-28</a:t>
             </a:fld>
             <a:endParaRPr lang="ko-KR" altLang="en-US"/>
           </a:p>
@@ -5549,7 +5537,7 @@
           <a:p>
             <a:fld id="{50F83380-8CC7-47B6-B932-212D159B0DC8}" type="datetimeFigureOut">
               <a:rPr lang="ko-KR" altLang="en-US" smtClean="0"/>
-              <a:t>2023-05-16</a:t>
+              <a:t>2023-05-28</a:t>
             </a:fld>
             <a:endParaRPr lang="ko-KR" altLang="en-US"/>
           </a:p>
@@ -5961,7 +5949,7 @@
           <a:p>
             <a:fld id="{50F83380-8CC7-47B6-B932-212D159B0DC8}" type="datetimeFigureOut">
               <a:rPr lang="ko-KR" altLang="en-US" smtClean="0"/>
-              <a:t>2023-05-16</a:t>
+              <a:t>2023-05-28</a:t>
             </a:fld>
             <a:endParaRPr lang="ko-KR" altLang="en-US"/>
           </a:p>
@@ -6102,7 +6090,7 @@
           <a:p>
             <a:fld id="{50F83380-8CC7-47B6-B932-212D159B0DC8}" type="datetimeFigureOut">
               <a:rPr lang="ko-KR" altLang="en-US" smtClean="0"/>
-              <a:t>2023-05-16</a:t>
+              <a:t>2023-05-28</a:t>
             </a:fld>
             <a:endParaRPr lang="ko-KR" altLang="en-US"/>
           </a:p>
@@ -6215,7 +6203,7 @@
           <a:p>
             <a:fld id="{50F83380-8CC7-47B6-B932-212D159B0DC8}" type="datetimeFigureOut">
               <a:rPr lang="ko-KR" altLang="en-US" smtClean="0"/>
-              <a:t>2023-05-16</a:t>
+              <a:t>2023-05-28</a:t>
             </a:fld>
             <a:endParaRPr lang="ko-KR" altLang="en-US"/>
           </a:p>
@@ -6526,7 +6514,7 @@
           <a:p>
             <a:fld id="{50F83380-8CC7-47B6-B932-212D159B0DC8}" type="datetimeFigureOut">
               <a:rPr lang="ko-KR" altLang="en-US" smtClean="0"/>
-              <a:t>2023-05-16</a:t>
+              <a:t>2023-05-28</a:t>
             </a:fld>
             <a:endParaRPr lang="ko-KR" altLang="en-US"/>
           </a:p>
@@ -6814,7 +6802,7 @@
           <a:p>
             <a:fld id="{50F83380-8CC7-47B6-B932-212D159B0DC8}" type="datetimeFigureOut">
               <a:rPr lang="ko-KR" altLang="en-US" smtClean="0"/>
-              <a:t>2023-05-16</a:t>
+              <a:t>2023-05-28</a:t>
             </a:fld>
             <a:endParaRPr lang="ko-KR" altLang="en-US"/>
           </a:p>
@@ -7055,7 +7043,7 @@
           <a:p>
             <a:fld id="{50F83380-8CC7-47B6-B932-212D159B0DC8}" type="datetimeFigureOut">
               <a:rPr lang="ko-KR" altLang="en-US" smtClean="0"/>
-              <a:t>2023-05-16</a:t>
+              <a:t>2023-05-28</a:t>
             </a:fld>
             <a:endParaRPr lang="ko-KR" altLang="en-US"/>
           </a:p>
